--- a/Windows MobileApps/2. Windows Universal Controls - Tasks.pptx
+++ b/Windows MobileApps/2. Windows Universal Controls - Tasks.pptx
@@ -197,7 +197,7 @@
           <a:p>
             <a:fld id="{531BC55C-53BF-4081-8CF5-AC38D234AED0}" type="datetimeFigureOut">
               <a:rPr lang="en-US" smtClean="0"/>
-              <a:t>11/11/2014</a:t>
+              <a:t>11/14/2014</a:t>
             </a:fld>
             <a:endParaRPr lang="en-US"/>
           </a:p>
@@ -527,7 +527,7 @@
             <a:fld id="{FFF8B11E-FFE5-46CB-B9DA-D6EB2B96E06A}" type="datetime1">
               <a:rPr lang="en-US"/>
               <a:pPr/>
-              <a:t>11/11/2014</a:t>
+              <a:t>11/14/2014</a:t>
             </a:fld>
             <a:r>
               <a:rPr lang="en-US"/>
